--- a/Final-Group-Presentation/Final-Group-Presentation.pptx
+++ b/Final-Group-Presentation/Final-Group-Presentation.pptx
@@ -6,6 +6,16 @@
   </p:sldMasterIdLst>
   <p:sldIdLst>
     <p:sldId id="256" r:id="rId2"/>
+    <p:sldId id="257" r:id="rId3"/>
+    <p:sldId id="258" r:id="rId4"/>
+    <p:sldId id="259" r:id="rId5"/>
+    <p:sldId id="260" r:id="rId6"/>
+    <p:sldId id="265" r:id="rId7"/>
+    <p:sldId id="266" r:id="rId8"/>
+    <p:sldId id="261" r:id="rId9"/>
+    <p:sldId id="262" r:id="rId10"/>
+    <p:sldId id="263" r:id="rId11"/>
+    <p:sldId id="264" r:id="rId12"/>
   </p:sldIdLst>
   <p:sldSz cx="12192000" cy="6858000"/>
   <p:notesSz cx="6858000" cy="9144000"/>
@@ -104,6 +114,11 @@
       </a:defRPr>
     </a:lvl9pPr>
   </p:defaultTextStyle>
+  <p:extLst>
+    <p:ext uri="{EFAFB233-063F-42B5-8137-9DF3F51BA10A}">
+      <p15:sldGuideLst xmlns:p15="http://schemas.microsoft.com/office/powerpoint/2012/main"/>
+    </p:ext>
+  </p:extLst>
 </p:presentation>
 </file>
 
@@ -254,7 +269,7 @@
           <a:p>
             <a:fld id="{2A162F21-BDEE-FA47-A1BA-DE5C6973E0A3}" type="datetimeFigureOut">
               <a:rPr lang="en-US" smtClean="0"/>
-              <a:t>4/11/23</a:t>
+              <a:t>5/1/23</a:t>
             </a:fld>
             <a:endParaRPr lang="en-US"/>
           </a:p>
@@ -452,7 +467,7 @@
           <a:p>
             <a:fld id="{2A162F21-BDEE-FA47-A1BA-DE5C6973E0A3}" type="datetimeFigureOut">
               <a:rPr lang="en-US" smtClean="0"/>
-              <a:t>4/11/23</a:t>
+              <a:t>5/1/23</a:t>
             </a:fld>
             <a:endParaRPr lang="en-US"/>
           </a:p>
@@ -660,7 +675,7 @@
           <a:p>
             <a:fld id="{2A162F21-BDEE-FA47-A1BA-DE5C6973E0A3}" type="datetimeFigureOut">
               <a:rPr lang="en-US" smtClean="0"/>
-              <a:t>4/11/23</a:t>
+              <a:t>5/1/23</a:t>
             </a:fld>
             <a:endParaRPr lang="en-US"/>
           </a:p>
@@ -858,7 +873,7 @@
           <a:p>
             <a:fld id="{2A162F21-BDEE-FA47-A1BA-DE5C6973E0A3}" type="datetimeFigureOut">
               <a:rPr lang="en-US" smtClean="0"/>
-              <a:t>4/11/23</a:t>
+              <a:t>5/1/23</a:t>
             </a:fld>
             <a:endParaRPr lang="en-US"/>
           </a:p>
@@ -1133,7 +1148,7 @@
           <a:p>
             <a:fld id="{2A162F21-BDEE-FA47-A1BA-DE5C6973E0A3}" type="datetimeFigureOut">
               <a:rPr lang="en-US" smtClean="0"/>
-              <a:t>4/11/23</a:t>
+              <a:t>5/1/23</a:t>
             </a:fld>
             <a:endParaRPr lang="en-US"/>
           </a:p>
@@ -1398,7 +1413,7 @@
           <a:p>
             <a:fld id="{2A162F21-BDEE-FA47-A1BA-DE5C6973E0A3}" type="datetimeFigureOut">
               <a:rPr lang="en-US" smtClean="0"/>
-              <a:t>4/11/23</a:t>
+              <a:t>5/1/23</a:t>
             </a:fld>
             <a:endParaRPr lang="en-US"/>
           </a:p>
@@ -1810,7 +1825,7 @@
           <a:p>
             <a:fld id="{2A162F21-BDEE-FA47-A1BA-DE5C6973E0A3}" type="datetimeFigureOut">
               <a:rPr lang="en-US" smtClean="0"/>
-              <a:t>4/11/23</a:t>
+              <a:t>5/1/23</a:t>
             </a:fld>
             <a:endParaRPr lang="en-US"/>
           </a:p>
@@ -1951,7 +1966,7 @@
           <a:p>
             <a:fld id="{2A162F21-BDEE-FA47-A1BA-DE5C6973E0A3}" type="datetimeFigureOut">
               <a:rPr lang="en-US" smtClean="0"/>
-              <a:t>4/11/23</a:t>
+              <a:t>5/1/23</a:t>
             </a:fld>
             <a:endParaRPr lang="en-US"/>
           </a:p>
@@ -2064,7 +2079,7 @@
           <a:p>
             <a:fld id="{2A162F21-BDEE-FA47-A1BA-DE5C6973E0A3}" type="datetimeFigureOut">
               <a:rPr lang="en-US" smtClean="0"/>
-              <a:t>4/11/23</a:t>
+              <a:t>5/1/23</a:t>
             </a:fld>
             <a:endParaRPr lang="en-US"/>
           </a:p>
@@ -2375,7 +2390,7 @@
           <a:p>
             <a:fld id="{2A162F21-BDEE-FA47-A1BA-DE5C6973E0A3}" type="datetimeFigureOut">
               <a:rPr lang="en-US" smtClean="0"/>
-              <a:t>4/11/23</a:t>
+              <a:t>5/1/23</a:t>
             </a:fld>
             <a:endParaRPr lang="en-US"/>
           </a:p>
@@ -2663,7 +2678,7 @@
           <a:p>
             <a:fld id="{2A162F21-BDEE-FA47-A1BA-DE5C6973E0A3}" type="datetimeFigureOut">
               <a:rPr lang="en-US" smtClean="0"/>
-              <a:t>4/11/23</a:t>
+              <a:t>5/1/23</a:t>
             </a:fld>
             <a:endParaRPr lang="en-US"/>
           </a:p>
@@ -2904,7 +2919,7 @@
           <a:p>
             <a:fld id="{2A162F21-BDEE-FA47-A1BA-DE5C6973E0A3}" type="datetimeFigureOut">
               <a:rPr lang="en-US" smtClean="0"/>
-              <a:t>4/11/23</a:t>
+              <a:t>5/1/23</a:t>
             </a:fld>
             <a:endParaRPr lang="en-US"/>
           </a:p>
@@ -3307,6 +3322,14 @@
 <file path=ppt/slides/slide1.xml><?xml version="1.0" encoding="utf-8"?>
 <p:sld xmlns:a="http://schemas.openxmlformats.org/drawingml/2006/main" xmlns:r="http://schemas.openxmlformats.org/officeDocument/2006/relationships" xmlns:p="http://schemas.openxmlformats.org/presentationml/2006/main">
   <p:cSld>
+    <p:bg>
+      <p:bgPr>
+        <a:solidFill>
+          <a:schemeClr val="bg1"/>
+        </a:solidFill>
+        <a:effectLst/>
+      </p:bgPr>
+    </p:bg>
     <p:spTree>
       <p:nvGrpSpPr>
         <p:cNvPr id="1" name=""/>
@@ -3321,6 +3344,195 @@
           <a:chExt cx="0" cy="0"/>
         </a:xfrm>
       </p:grpSpPr>
+      <p:sp useBgFill="1">
+        <p:nvSpPr>
+          <p:cNvPr id="25" name="Rectangle 24">
+            <a:extLst>
+              <a:ext uri="{FF2B5EF4-FFF2-40B4-BE49-F238E27FC236}">
+                <a16:creationId xmlns:a16="http://schemas.microsoft.com/office/drawing/2014/main" id="{934F1179-B481-4F9E-BCA3-AFB972070F83}"/>
+              </a:ext>
+              <a:ext uri="{C183D7F6-B498-43B3-948B-1728B52AA6E4}">
+                <adec:decorative xmlns:adec="http://schemas.microsoft.com/office/drawing/2017/decorative" val="1"/>
+              </a:ext>
+            </a:extLst>
+          </p:cNvPr>
+          <p:cNvSpPr>
+            <a:spLocks noGrp="1" noRot="1" noChangeAspect="1" noMove="1" noResize="1" noEditPoints="1" noAdjustHandles="1" noChangeArrowheads="1" noChangeShapeType="1" noTextEdit="1"/>
+          </p:cNvSpPr>
+          <p:nvPr>
+            <p:extLst>
+              <p:ext uri="{386F3935-93C4-4BCD-93E2-E3B085C9AB24}">
+                <p16:designElem xmlns:p16="http://schemas.microsoft.com/office/powerpoint/2015/main" val="1"/>
+              </p:ext>
+            </p:extLst>
+          </p:nvPr>
+        </p:nvSpPr>
+        <p:spPr>
+          <a:xfrm>
+            <a:off x="0" y="0"/>
+            <a:ext cx="12192000" cy="6858000"/>
+          </a:xfrm>
+          <a:prstGeom prst="rect">
+            <a:avLst/>
+          </a:prstGeom>
+          <a:ln>
+            <a:noFill/>
+          </a:ln>
+        </p:spPr>
+        <p:style>
+          <a:lnRef idx="2">
+            <a:schemeClr val="accent1">
+              <a:shade val="50000"/>
+            </a:schemeClr>
+          </a:lnRef>
+          <a:fillRef idx="1">
+            <a:schemeClr val="accent1"/>
+          </a:fillRef>
+          <a:effectRef idx="0">
+            <a:schemeClr val="accent1"/>
+          </a:effectRef>
+          <a:fontRef idx="minor">
+            <a:schemeClr val="lt1"/>
+          </a:fontRef>
+        </p:style>
+        <p:txBody>
+          <a:bodyPr rtlCol="0" anchor="ctr"/>
+          <a:lstStyle/>
+          <a:p>
+            <a:pPr algn="ctr"/>
+            <a:endParaRPr lang="en-US"/>
+          </a:p>
+        </p:txBody>
+      </p:sp>
+      <p:sp>
+        <p:nvSpPr>
+          <p:cNvPr id="27" name="Right Triangle 26">
+            <a:extLst>
+              <a:ext uri="{FF2B5EF4-FFF2-40B4-BE49-F238E27FC236}">
+                <a16:creationId xmlns:a16="http://schemas.microsoft.com/office/drawing/2014/main" id="{827DC2C4-B485-428A-BF4A-472D2967F47F}"/>
+              </a:ext>
+              <a:ext uri="{C183D7F6-B498-43B3-948B-1728B52AA6E4}">
+                <adec:decorative xmlns:adec="http://schemas.microsoft.com/office/drawing/2017/decorative" val="1"/>
+              </a:ext>
+            </a:extLst>
+          </p:cNvPr>
+          <p:cNvSpPr>
+            <a:spLocks noGrp="1" noRot="1" noChangeAspect="1" noMove="1" noResize="1" noEditPoints="1" noAdjustHandles="1" noChangeArrowheads="1" noChangeShapeType="1" noTextEdit="1"/>
+          </p:cNvSpPr>
+          <p:nvPr>
+            <p:extLst>
+              <p:ext uri="{386F3935-93C4-4BCD-93E2-E3B085C9AB24}">
+                <p16:designElem xmlns:p16="http://schemas.microsoft.com/office/powerpoint/2015/main" val="1"/>
+              </p:ext>
+            </p:extLst>
+          </p:nvPr>
+        </p:nvSpPr>
+        <p:spPr>
+          <a:xfrm flipH="1">
+            <a:off x="8576720" y="3335867"/>
+            <a:ext cx="3291840" cy="3200400"/>
+          </a:xfrm>
+          <a:prstGeom prst="rtTriangle">
+            <a:avLst/>
+          </a:prstGeom>
+          <a:solidFill>
+            <a:schemeClr val="accent4"/>
+          </a:solidFill>
+          <a:ln>
+            <a:noFill/>
+          </a:ln>
+        </p:spPr>
+        <p:style>
+          <a:lnRef idx="2">
+            <a:schemeClr val="accent1">
+              <a:shade val="50000"/>
+            </a:schemeClr>
+          </a:lnRef>
+          <a:fillRef idx="1">
+            <a:schemeClr val="accent1"/>
+          </a:fillRef>
+          <a:effectRef idx="0">
+            <a:schemeClr val="accent1"/>
+          </a:effectRef>
+          <a:fontRef idx="minor">
+            <a:schemeClr val="lt1"/>
+          </a:fontRef>
+        </p:style>
+        <p:txBody>
+          <a:bodyPr rtlCol="0" anchor="ctr"/>
+          <a:lstStyle/>
+          <a:p>
+            <a:pPr algn="ctr"/>
+            <a:endParaRPr lang="en-US" dirty="0"/>
+          </a:p>
+        </p:txBody>
+      </p:sp>
+      <p:sp>
+        <p:nvSpPr>
+          <p:cNvPr id="29" name="Rectangle 28">
+            <a:extLst>
+              <a:ext uri="{FF2B5EF4-FFF2-40B4-BE49-F238E27FC236}">
+                <a16:creationId xmlns:a16="http://schemas.microsoft.com/office/drawing/2014/main" id="{EE04B5EB-F158-4507-90DD-BD23620C7CC9}"/>
+              </a:ext>
+              <a:ext uri="{C183D7F6-B498-43B3-948B-1728B52AA6E4}">
+                <adec:decorative xmlns:adec="http://schemas.microsoft.com/office/drawing/2017/decorative" val="1"/>
+              </a:ext>
+            </a:extLst>
+          </p:cNvPr>
+          <p:cNvSpPr>
+            <a:spLocks noGrp="1" noRot="1" noChangeAspect="1" noMove="1" noResize="1" noEditPoints="1" noAdjustHandles="1" noChangeArrowheads="1" noChangeShapeType="1" noTextEdit="1"/>
+          </p:cNvSpPr>
+          <p:nvPr>
+            <p:extLst>
+              <p:ext uri="{386F3935-93C4-4BCD-93E2-E3B085C9AB24}">
+                <p16:designElem xmlns:p16="http://schemas.microsoft.com/office/powerpoint/2015/main" val="1"/>
+              </p:ext>
+            </p:extLst>
+          </p:nvPr>
+        </p:nvSpPr>
+        <p:spPr>
+          <a:xfrm>
+            <a:off x="641774" y="623275"/>
+            <a:ext cx="10905053" cy="5607882"/>
+          </a:xfrm>
+          <a:prstGeom prst="rect">
+            <a:avLst/>
+          </a:prstGeom>
+          <a:noFill/>
+          <a:ln w="19050">
+            <a:solidFill>
+              <a:schemeClr val="tx1">
+                <a:lumMod val="75000"/>
+                <a:lumOff val="25000"/>
+              </a:schemeClr>
+            </a:solidFill>
+          </a:ln>
+        </p:spPr>
+        <p:style>
+          <a:lnRef idx="2">
+            <a:schemeClr val="accent1">
+              <a:shade val="50000"/>
+            </a:schemeClr>
+          </a:lnRef>
+          <a:fillRef idx="1">
+            <a:schemeClr val="accent1"/>
+          </a:fillRef>
+          <a:effectRef idx="0">
+            <a:schemeClr val="accent1"/>
+          </a:effectRef>
+          <a:fontRef idx="minor">
+            <a:schemeClr val="lt1"/>
+          </a:fontRef>
+        </p:style>
+        <p:txBody>
+          <a:bodyPr rtlCol="0" anchor="ctr"/>
+          <a:lstStyle/>
+          <a:p>
+            <a:pPr algn="ctr"/>
+            <a:endParaRPr lang="en-US"/>
+          </a:p>
+        </p:txBody>
+      </p:sp>
       <p:sp>
         <p:nvSpPr>
           <p:cNvPr id="2" name="Title 1">
@@ -3337,12 +3549,27 @@
             <p:ph type="ctrTitle"/>
           </p:nvPr>
         </p:nvSpPr>
-        <p:spPr/>
-        <p:txBody>
-          <a:bodyPr/>
-          <a:lstStyle/>
-          <a:p>
-            <a:endParaRPr lang="en-US"/>
+        <p:spPr>
+          <a:xfrm>
+            <a:off x="1285241" y="1008993"/>
+            <a:ext cx="9231410" cy="3542045"/>
+          </a:xfrm>
+        </p:spPr>
+        <p:txBody>
+          <a:bodyPr vert="horz" lIns="91440" tIns="45720" rIns="91440" bIns="45720" rtlCol="0" anchor="b">
+            <a:normAutofit/>
+          </a:bodyPr>
+          <a:lstStyle/>
+          <a:p>
+            <a:pPr algn="l"/>
+            <a:r>
+              <a:rPr lang="en-US" sz="11500" kern="1200">
+                <a:latin typeface="+mj-lt"/>
+                <a:ea typeface="+mj-ea"/>
+                <a:cs typeface="+mj-cs"/>
+              </a:rPr>
+              <a:t>Stroke Prediction</a:t>
+            </a:r>
           </a:p>
         </p:txBody>
       </p:sp>
@@ -3362,12 +3589,53 @@
             <p:ph type="subTitle" idx="1"/>
           </p:nvPr>
         </p:nvSpPr>
-        <p:spPr/>
-        <p:txBody>
-          <a:bodyPr/>
-          <a:lstStyle/>
-          <a:p>
-            <a:endParaRPr lang="en-US"/>
+        <p:spPr>
+          <a:xfrm>
+            <a:off x="1285241" y="4582814"/>
+            <a:ext cx="7132335" cy="1312657"/>
+          </a:xfrm>
+        </p:spPr>
+        <p:txBody>
+          <a:bodyPr vert="horz" lIns="91440" tIns="45720" rIns="91440" bIns="45720" rtlCol="0" anchor="t">
+            <a:normAutofit/>
+          </a:bodyPr>
+          <a:lstStyle/>
+          <a:p>
+            <a:pPr algn="l"/>
+            <a:r>
+              <a:rPr lang="en-US" sz="1500" dirty="0"/>
+              <a:t>Machine Learning-I</a:t>
+            </a:r>
+          </a:p>
+          <a:p>
+            <a:pPr indent="-228600" algn="l">
+              <a:buFont typeface="Arial" panose="020B0604020202020204" pitchFamily="34" charset="0"/>
+              <a:buChar char="•"/>
+            </a:pPr>
+            <a:r>
+              <a:rPr lang="en-US" sz="1500" dirty="0"/>
+              <a:t>Shikha Sharma </a:t>
+            </a:r>
+          </a:p>
+          <a:p>
+            <a:pPr indent="-228600" algn="l">
+              <a:buFont typeface="Arial" panose="020B0604020202020204" pitchFamily="34" charset="0"/>
+              <a:buChar char="•"/>
+            </a:pPr>
+            <a:r>
+              <a:rPr lang="en-US" sz="1500" dirty="0"/>
+              <a:t>Aron Rock</a:t>
+            </a:r>
+          </a:p>
+          <a:p>
+            <a:pPr indent="-228600" algn="l">
+              <a:buFont typeface="Arial" panose="020B0604020202020204" pitchFamily="34" charset="0"/>
+              <a:buChar char="•"/>
+            </a:pPr>
+            <a:r>
+              <a:rPr lang="en-US" sz="1500" dirty="0"/>
+              <a:t>Sanjana</a:t>
+            </a:r>
           </a:p>
         </p:txBody>
       </p:sp>
@@ -3375,6 +3643,1139 @@
     <p:extLst>
       <p:ext uri="{BB962C8B-B14F-4D97-AF65-F5344CB8AC3E}">
         <p14:creationId xmlns:p14="http://schemas.microsoft.com/office/powerpoint/2010/main" val="1045053833"/>
+      </p:ext>
+    </p:extLst>
+  </p:cSld>
+  <p:clrMapOvr>
+    <a:masterClrMapping/>
+  </p:clrMapOvr>
+</p:sld>
+</file>
+
+<file path=ppt/slides/slide10.xml><?xml version="1.0" encoding="utf-8"?>
+<p:sld xmlns:a="http://schemas.openxmlformats.org/drawingml/2006/main" xmlns:r="http://schemas.openxmlformats.org/officeDocument/2006/relationships" xmlns:p="http://schemas.openxmlformats.org/presentationml/2006/main">
+  <p:cSld>
+    <p:spTree>
+      <p:nvGrpSpPr>
+        <p:cNvPr id="1" name=""/>
+        <p:cNvGrpSpPr/>
+        <p:nvPr/>
+      </p:nvGrpSpPr>
+      <p:grpSpPr>
+        <a:xfrm>
+          <a:off x="0" y="0"/>
+          <a:ext cx="0" cy="0"/>
+          <a:chOff x="0" y="0"/>
+          <a:chExt cx="0" cy="0"/>
+        </a:xfrm>
+      </p:grpSpPr>
+      <p:sp>
+        <p:nvSpPr>
+          <p:cNvPr id="2" name="Title 1">
+            <a:extLst>
+              <a:ext uri="{FF2B5EF4-FFF2-40B4-BE49-F238E27FC236}">
+                <a16:creationId xmlns:a16="http://schemas.microsoft.com/office/drawing/2014/main" id="{6FF7D037-97B4-ACE0-D86C-612D6FBB529E}"/>
+              </a:ext>
+            </a:extLst>
+          </p:cNvPr>
+          <p:cNvSpPr>
+            <a:spLocks noGrp="1"/>
+          </p:cNvSpPr>
+          <p:nvPr>
+            <p:ph type="title"/>
+          </p:nvPr>
+        </p:nvSpPr>
+        <p:spPr/>
+        <p:txBody>
+          <a:bodyPr/>
+          <a:lstStyle/>
+          <a:p>
+            <a:r>
+              <a:rPr lang="en" dirty="0"/>
+              <a:t>Questions</a:t>
+            </a:r>
+            <a:endParaRPr lang="en-US" dirty="0"/>
+          </a:p>
+        </p:txBody>
+      </p:sp>
+      <p:sp>
+        <p:nvSpPr>
+          <p:cNvPr id="3" name="Content Placeholder 2">
+            <a:extLst>
+              <a:ext uri="{FF2B5EF4-FFF2-40B4-BE49-F238E27FC236}">
+                <a16:creationId xmlns:a16="http://schemas.microsoft.com/office/drawing/2014/main" id="{EFE628E6-8315-4FE0-2E16-C391AD8F1305}"/>
+              </a:ext>
+            </a:extLst>
+          </p:cNvPr>
+          <p:cNvSpPr>
+            <a:spLocks noGrp="1"/>
+          </p:cNvSpPr>
+          <p:nvPr>
+            <p:ph idx="1"/>
+          </p:nvPr>
+        </p:nvSpPr>
+        <p:spPr/>
+        <p:txBody>
+          <a:bodyPr/>
+          <a:lstStyle/>
+          <a:p>
+            <a:pPr marL="0" indent="0">
+              <a:buNone/>
+            </a:pPr>
+            <a:endParaRPr lang="en-US" dirty="0"/>
+          </a:p>
+        </p:txBody>
+      </p:sp>
+    </p:spTree>
+    <p:extLst>
+      <p:ext uri="{BB962C8B-B14F-4D97-AF65-F5344CB8AC3E}">
+        <p14:creationId xmlns:p14="http://schemas.microsoft.com/office/powerpoint/2010/main" val="3759444898"/>
+      </p:ext>
+    </p:extLst>
+  </p:cSld>
+  <p:clrMapOvr>
+    <a:masterClrMapping/>
+  </p:clrMapOvr>
+</p:sld>
+</file>
+
+<file path=ppt/slides/slide11.xml><?xml version="1.0" encoding="utf-8"?>
+<p:sld xmlns:a="http://schemas.openxmlformats.org/drawingml/2006/main" xmlns:r="http://schemas.openxmlformats.org/officeDocument/2006/relationships" xmlns:p="http://schemas.openxmlformats.org/presentationml/2006/main">
+  <p:cSld>
+    <p:spTree>
+      <p:nvGrpSpPr>
+        <p:cNvPr id="1" name=""/>
+        <p:cNvGrpSpPr/>
+        <p:nvPr/>
+      </p:nvGrpSpPr>
+      <p:grpSpPr>
+        <a:xfrm>
+          <a:off x="0" y="0"/>
+          <a:ext cx="0" cy="0"/>
+          <a:chOff x="0" y="0"/>
+          <a:chExt cx="0" cy="0"/>
+        </a:xfrm>
+      </p:grpSpPr>
+      <p:sp>
+        <p:nvSpPr>
+          <p:cNvPr id="2" name="Title 1">
+            <a:extLst>
+              <a:ext uri="{FF2B5EF4-FFF2-40B4-BE49-F238E27FC236}">
+                <a16:creationId xmlns:a16="http://schemas.microsoft.com/office/drawing/2014/main" id="{F6CEBBA6-3D71-445D-B9DA-26C358E61DDF}"/>
+              </a:ext>
+            </a:extLst>
+          </p:cNvPr>
+          <p:cNvSpPr>
+            <a:spLocks noGrp="1"/>
+          </p:cNvSpPr>
+          <p:nvPr>
+            <p:ph type="title"/>
+          </p:nvPr>
+        </p:nvSpPr>
+        <p:spPr/>
+        <p:txBody>
+          <a:bodyPr/>
+          <a:lstStyle/>
+          <a:p>
+            <a:r>
+              <a:rPr lang="en-US" dirty="0"/>
+              <a:t>Thank you!</a:t>
+            </a:r>
+          </a:p>
+        </p:txBody>
+      </p:sp>
+      <p:sp>
+        <p:nvSpPr>
+          <p:cNvPr id="3" name="Content Placeholder 2">
+            <a:extLst>
+              <a:ext uri="{FF2B5EF4-FFF2-40B4-BE49-F238E27FC236}">
+                <a16:creationId xmlns:a16="http://schemas.microsoft.com/office/drawing/2014/main" id="{783EC394-9354-E222-8011-0F321F8A1AF7}"/>
+              </a:ext>
+            </a:extLst>
+          </p:cNvPr>
+          <p:cNvSpPr>
+            <a:spLocks noGrp="1"/>
+          </p:cNvSpPr>
+          <p:nvPr>
+            <p:ph idx="1"/>
+          </p:nvPr>
+        </p:nvSpPr>
+        <p:spPr/>
+        <p:txBody>
+          <a:bodyPr/>
+          <a:lstStyle/>
+          <a:p>
+            <a:endParaRPr lang="en-US"/>
+          </a:p>
+        </p:txBody>
+      </p:sp>
+    </p:spTree>
+    <p:extLst>
+      <p:ext uri="{BB962C8B-B14F-4D97-AF65-F5344CB8AC3E}">
+        <p14:creationId xmlns:p14="http://schemas.microsoft.com/office/powerpoint/2010/main" val="2819186283"/>
+      </p:ext>
+    </p:extLst>
+  </p:cSld>
+  <p:clrMapOvr>
+    <a:masterClrMapping/>
+  </p:clrMapOvr>
+</p:sld>
+</file>
+
+<file path=ppt/slides/slide2.xml><?xml version="1.0" encoding="utf-8"?>
+<p:sld xmlns:a="http://schemas.openxmlformats.org/drawingml/2006/main" xmlns:r="http://schemas.openxmlformats.org/officeDocument/2006/relationships" xmlns:p="http://schemas.openxmlformats.org/presentationml/2006/main">
+  <p:cSld>
+    <p:spTree>
+      <p:nvGrpSpPr>
+        <p:cNvPr id="1" name=""/>
+        <p:cNvGrpSpPr/>
+        <p:nvPr/>
+      </p:nvGrpSpPr>
+      <p:grpSpPr>
+        <a:xfrm>
+          <a:off x="0" y="0"/>
+          <a:ext cx="0" cy="0"/>
+          <a:chOff x="0" y="0"/>
+          <a:chExt cx="0" cy="0"/>
+        </a:xfrm>
+      </p:grpSpPr>
+      <p:sp>
+        <p:nvSpPr>
+          <p:cNvPr id="2" name="Title 1">
+            <a:extLst>
+              <a:ext uri="{FF2B5EF4-FFF2-40B4-BE49-F238E27FC236}">
+                <a16:creationId xmlns:a16="http://schemas.microsoft.com/office/drawing/2014/main" id="{16026014-600C-0193-FF92-918ED35EFDBD}"/>
+              </a:ext>
+            </a:extLst>
+          </p:cNvPr>
+          <p:cNvSpPr>
+            <a:spLocks noGrp="1"/>
+          </p:cNvSpPr>
+          <p:nvPr>
+            <p:ph type="title"/>
+          </p:nvPr>
+        </p:nvSpPr>
+        <p:spPr/>
+        <p:txBody>
+          <a:bodyPr/>
+          <a:lstStyle/>
+          <a:p>
+            <a:r>
+              <a:rPr lang="en" dirty="0"/>
+              <a:t>Introduction</a:t>
+            </a:r>
+            <a:endParaRPr lang="en-US" dirty="0"/>
+          </a:p>
+        </p:txBody>
+      </p:sp>
+      <p:sp>
+        <p:nvSpPr>
+          <p:cNvPr id="3" name="Content Placeholder 2">
+            <a:extLst>
+              <a:ext uri="{FF2B5EF4-FFF2-40B4-BE49-F238E27FC236}">
+                <a16:creationId xmlns:a16="http://schemas.microsoft.com/office/drawing/2014/main" id="{BBA056D9-BA13-0408-9FCF-A704E2EB7240}"/>
+              </a:ext>
+            </a:extLst>
+          </p:cNvPr>
+          <p:cNvSpPr>
+            <a:spLocks noGrp="1"/>
+          </p:cNvSpPr>
+          <p:nvPr>
+            <p:ph idx="1"/>
+          </p:nvPr>
+        </p:nvSpPr>
+        <p:spPr/>
+        <p:txBody>
+          <a:bodyPr/>
+          <a:lstStyle/>
+          <a:p>
+            <a:pPr algn="l">
+              <a:buFont typeface="Arial" panose="020B0604020202020204" pitchFamily="34" charset="0"/>
+              <a:buChar char="•"/>
+            </a:pPr>
+            <a:r>
+              <a:rPr lang="en-US" sz="2400" b="0" i="0" u="none" strike="noStrike" dirty="0">
+                <a:effectLst/>
+              </a:rPr>
+              <a:t>Stroke: 2nd most common cause of death and 3rd most common cause of disability worldwide</a:t>
+            </a:r>
+          </a:p>
+          <a:p>
+            <a:pPr algn="l">
+              <a:buFont typeface="Arial" panose="020B0604020202020204" pitchFamily="34" charset="0"/>
+              <a:buChar char="•"/>
+            </a:pPr>
+            <a:r>
+              <a:rPr lang="en-US" sz="2400" b="0" i="0" u="none" strike="noStrike" dirty="0">
+                <a:effectLst/>
+              </a:rPr>
+              <a:t>Importance of early detection and prevention</a:t>
+            </a:r>
+          </a:p>
+          <a:p>
+            <a:pPr algn="l">
+              <a:buFont typeface="Arial" panose="020B0604020202020204" pitchFamily="34" charset="0"/>
+              <a:buChar char="•"/>
+            </a:pPr>
+            <a:r>
+              <a:rPr lang="en-US" sz="2400" b="0" i="0" u="none" strike="noStrike" dirty="0">
+                <a:effectLst/>
+              </a:rPr>
+              <a:t>Leveraging machine learning techniques for stroke prediction</a:t>
+            </a:r>
+          </a:p>
+          <a:p>
+            <a:pPr algn="l">
+              <a:buFont typeface="Arial" panose="020B0604020202020204" pitchFamily="34" charset="0"/>
+              <a:buChar char="•"/>
+            </a:pPr>
+            <a:r>
+              <a:rPr lang="en-US" sz="2400" b="0" i="0" u="none" strike="noStrike" dirty="0">
+                <a:effectLst/>
+              </a:rPr>
+              <a:t>Analyzing risk factors to develop a model for stroke risk prediction</a:t>
+            </a:r>
+          </a:p>
+          <a:p>
+            <a:endParaRPr lang="en-US" dirty="0"/>
+          </a:p>
+        </p:txBody>
+      </p:sp>
+    </p:spTree>
+    <p:extLst>
+      <p:ext uri="{BB962C8B-B14F-4D97-AF65-F5344CB8AC3E}">
+        <p14:creationId xmlns:p14="http://schemas.microsoft.com/office/powerpoint/2010/main" val="1399373474"/>
+      </p:ext>
+    </p:extLst>
+  </p:cSld>
+  <p:clrMapOvr>
+    <a:masterClrMapping/>
+  </p:clrMapOvr>
+</p:sld>
+</file>
+
+<file path=ppt/slides/slide3.xml><?xml version="1.0" encoding="utf-8"?>
+<p:sld xmlns:a="http://schemas.openxmlformats.org/drawingml/2006/main" xmlns:r="http://schemas.openxmlformats.org/officeDocument/2006/relationships" xmlns:p="http://schemas.openxmlformats.org/presentationml/2006/main">
+  <p:cSld>
+    <p:spTree>
+      <p:nvGrpSpPr>
+        <p:cNvPr id="1" name=""/>
+        <p:cNvGrpSpPr/>
+        <p:nvPr/>
+      </p:nvGrpSpPr>
+      <p:grpSpPr>
+        <a:xfrm>
+          <a:off x="0" y="0"/>
+          <a:ext cx="0" cy="0"/>
+          <a:chOff x="0" y="0"/>
+          <a:chExt cx="0" cy="0"/>
+        </a:xfrm>
+      </p:grpSpPr>
+      <p:sp>
+        <p:nvSpPr>
+          <p:cNvPr id="2" name="Title 1">
+            <a:extLst>
+              <a:ext uri="{FF2B5EF4-FFF2-40B4-BE49-F238E27FC236}">
+                <a16:creationId xmlns:a16="http://schemas.microsoft.com/office/drawing/2014/main" id="{BBE3FAB1-A956-2365-B454-818700403F34}"/>
+              </a:ext>
+            </a:extLst>
+          </p:cNvPr>
+          <p:cNvSpPr>
+            <a:spLocks noGrp="1"/>
+          </p:cNvSpPr>
+          <p:nvPr>
+            <p:ph type="title"/>
+          </p:nvPr>
+        </p:nvSpPr>
+        <p:spPr/>
+        <p:txBody>
+          <a:bodyPr/>
+          <a:lstStyle/>
+          <a:p>
+            <a:r>
+              <a:rPr lang="en" dirty="0"/>
+              <a:t>Background</a:t>
+            </a:r>
+            <a:endParaRPr lang="en-US" dirty="0"/>
+          </a:p>
+        </p:txBody>
+      </p:sp>
+      <p:sp>
+        <p:nvSpPr>
+          <p:cNvPr id="3" name="Content Placeholder 2">
+            <a:extLst>
+              <a:ext uri="{FF2B5EF4-FFF2-40B4-BE49-F238E27FC236}">
+                <a16:creationId xmlns:a16="http://schemas.microsoft.com/office/drawing/2014/main" id="{E55E1E50-2C8C-8C8E-9AF0-3B259FF1ACA8}"/>
+              </a:ext>
+            </a:extLst>
+          </p:cNvPr>
+          <p:cNvSpPr>
+            <a:spLocks noGrp="1"/>
+          </p:cNvSpPr>
+          <p:nvPr>
+            <p:ph idx="1"/>
+          </p:nvPr>
+        </p:nvSpPr>
+        <p:spPr/>
+        <p:txBody>
+          <a:bodyPr/>
+          <a:lstStyle/>
+          <a:p>
+            <a:r>
+              <a:rPr lang="en-US" b="0" i="0" u="none" strike="noStrike" dirty="0">
+                <a:effectLst/>
+                <a:latin typeface="Calibri" panose="020F0502020204030204" pitchFamily="34" charset="0"/>
+                <a:cs typeface="Calibri" panose="020F0502020204030204" pitchFamily="34" charset="0"/>
+              </a:rPr>
+              <a:t>To develop and evaluate machine learning models for predicting stroke risk based on various risk factors, aiming to enhance early intervention strategies, promote healthier lifestyles, and ultimately reduce the impact of strokes on individuals and communities worldwide.</a:t>
+            </a:r>
+          </a:p>
+          <a:p>
+            <a:endParaRPr lang="en-US" dirty="0"/>
+          </a:p>
+        </p:txBody>
+      </p:sp>
+    </p:spTree>
+    <p:extLst>
+      <p:ext uri="{BB962C8B-B14F-4D97-AF65-F5344CB8AC3E}">
+        <p14:creationId xmlns:p14="http://schemas.microsoft.com/office/powerpoint/2010/main" val="3051829316"/>
+      </p:ext>
+    </p:extLst>
+  </p:cSld>
+  <p:clrMapOvr>
+    <a:masterClrMapping/>
+  </p:clrMapOvr>
+</p:sld>
+</file>
+
+<file path=ppt/slides/slide4.xml><?xml version="1.0" encoding="utf-8"?>
+<p:sld xmlns:a="http://schemas.openxmlformats.org/drawingml/2006/main" xmlns:r="http://schemas.openxmlformats.org/officeDocument/2006/relationships" xmlns:p="http://schemas.openxmlformats.org/presentationml/2006/main">
+  <p:cSld>
+    <p:spTree>
+      <p:nvGrpSpPr>
+        <p:cNvPr id="1" name=""/>
+        <p:cNvGrpSpPr/>
+        <p:nvPr/>
+      </p:nvGrpSpPr>
+      <p:grpSpPr>
+        <a:xfrm>
+          <a:off x="0" y="0"/>
+          <a:ext cx="0" cy="0"/>
+          <a:chOff x="0" y="0"/>
+          <a:chExt cx="0" cy="0"/>
+        </a:xfrm>
+      </p:grpSpPr>
+      <p:sp>
+        <p:nvSpPr>
+          <p:cNvPr id="2" name="Title 1">
+            <a:extLst>
+              <a:ext uri="{FF2B5EF4-FFF2-40B4-BE49-F238E27FC236}">
+                <a16:creationId xmlns:a16="http://schemas.microsoft.com/office/drawing/2014/main" id="{24A83708-AA9A-D931-70E9-C434ACAE5BBF}"/>
+              </a:ext>
+            </a:extLst>
+          </p:cNvPr>
+          <p:cNvSpPr>
+            <a:spLocks noGrp="1"/>
+          </p:cNvSpPr>
+          <p:nvPr>
+            <p:ph type="title"/>
+          </p:nvPr>
+        </p:nvSpPr>
+        <p:spPr/>
+        <p:txBody>
+          <a:bodyPr/>
+          <a:lstStyle/>
+          <a:p>
+            <a:r>
+              <a:rPr lang="en" dirty="0"/>
+              <a:t>Dataset Description</a:t>
+            </a:r>
+            <a:endParaRPr lang="en-US" dirty="0"/>
+          </a:p>
+        </p:txBody>
+      </p:sp>
+      <p:sp>
+        <p:nvSpPr>
+          <p:cNvPr id="3" name="Content Placeholder 2">
+            <a:extLst>
+              <a:ext uri="{FF2B5EF4-FFF2-40B4-BE49-F238E27FC236}">
+                <a16:creationId xmlns:a16="http://schemas.microsoft.com/office/drawing/2014/main" id="{C8149075-F1A9-F6CD-B954-DACB9BC554A2}"/>
+              </a:ext>
+            </a:extLst>
+          </p:cNvPr>
+          <p:cNvSpPr>
+            <a:spLocks noGrp="1"/>
+          </p:cNvSpPr>
+          <p:nvPr>
+            <p:ph idx="1"/>
+          </p:nvPr>
+        </p:nvSpPr>
+        <p:spPr/>
+        <p:txBody>
+          <a:bodyPr/>
+          <a:lstStyle/>
+          <a:p>
+            <a:pPr algn="l">
+              <a:buFont typeface="Arial" panose="020B0604020202020204" pitchFamily="34" charset="0"/>
+              <a:buChar char="•"/>
+            </a:pPr>
+            <a:r>
+              <a:rPr lang="en-US" b="0" i="0" u="none" strike="noStrike" dirty="0">
+                <a:effectLst/>
+                <a:latin typeface="Calibri" panose="020F0502020204030204" pitchFamily="34" charset="0"/>
+                <a:cs typeface="Calibri" panose="020F0502020204030204" pitchFamily="34" charset="0"/>
+              </a:rPr>
+              <a:t>Source: Kaggle ("healthcare-dataset-stroke-data")</a:t>
+            </a:r>
+          </a:p>
+          <a:p>
+            <a:pPr algn="l">
+              <a:buFont typeface="Arial" panose="020B0604020202020204" pitchFamily="34" charset="0"/>
+              <a:buChar char="•"/>
+            </a:pPr>
+            <a:r>
+              <a:rPr lang="en-US" b="0" i="0" u="none" strike="noStrike" dirty="0">
+                <a:effectLst/>
+                <a:latin typeface="Calibri" panose="020F0502020204030204" pitchFamily="34" charset="0"/>
+                <a:cs typeface="Calibri" panose="020F0502020204030204" pitchFamily="34" charset="0"/>
+              </a:rPr>
+              <a:t>5,110 observations with 12 attributes</a:t>
+            </a:r>
+          </a:p>
+          <a:p>
+            <a:pPr algn="l">
+              <a:buFont typeface="Arial" panose="020B0604020202020204" pitchFamily="34" charset="0"/>
+              <a:buChar char="•"/>
+            </a:pPr>
+            <a:r>
+              <a:rPr lang="en-US" b="0" i="0" u="none" strike="noStrike" dirty="0">
+                <a:effectLst/>
+                <a:latin typeface="Calibri" panose="020F0502020204030204" pitchFamily="34" charset="0"/>
+                <a:cs typeface="Calibri" panose="020F0502020204030204" pitchFamily="34" charset="0"/>
+              </a:rPr>
+              <a:t>Attributes: ID, Gender, Age, Hypertension, Heart Disease, Ever Married, Work Type, Residence Type, Avg. Glucose Level, BMI, Smoking Status, Stroke</a:t>
+            </a:r>
+          </a:p>
+          <a:p>
+            <a:pPr algn="l">
+              <a:buFont typeface="Arial" panose="020B0604020202020204" pitchFamily="34" charset="0"/>
+              <a:buChar char="•"/>
+            </a:pPr>
+            <a:r>
+              <a:rPr lang="en-US" b="0" i="0" u="none" strike="noStrike" dirty="0">
+                <a:effectLst/>
+                <a:latin typeface="Calibri" panose="020F0502020204030204" pitchFamily="34" charset="0"/>
+                <a:cs typeface="Calibri" panose="020F0502020204030204" pitchFamily="34" charset="0"/>
+              </a:rPr>
+              <a:t>Imbalanced dataset: 249 stroke cases and 4,861 non-stroke cases</a:t>
+            </a:r>
+          </a:p>
+          <a:p>
+            <a:endParaRPr lang="en-US" dirty="0"/>
+          </a:p>
+        </p:txBody>
+      </p:sp>
+    </p:spTree>
+    <p:extLst>
+      <p:ext uri="{BB962C8B-B14F-4D97-AF65-F5344CB8AC3E}">
+        <p14:creationId xmlns:p14="http://schemas.microsoft.com/office/powerpoint/2010/main" val="3872432095"/>
+      </p:ext>
+    </p:extLst>
+  </p:cSld>
+  <p:clrMapOvr>
+    <a:masterClrMapping/>
+  </p:clrMapOvr>
+</p:sld>
+</file>
+
+<file path=ppt/slides/slide5.xml><?xml version="1.0" encoding="utf-8"?>
+<p:sld xmlns:a="http://schemas.openxmlformats.org/drawingml/2006/main" xmlns:r="http://schemas.openxmlformats.org/officeDocument/2006/relationships" xmlns:p="http://schemas.openxmlformats.org/presentationml/2006/main">
+  <p:cSld>
+    <p:spTree>
+      <p:nvGrpSpPr>
+        <p:cNvPr id="1" name=""/>
+        <p:cNvGrpSpPr/>
+        <p:nvPr/>
+      </p:nvGrpSpPr>
+      <p:grpSpPr>
+        <a:xfrm>
+          <a:off x="0" y="0"/>
+          <a:ext cx="0" cy="0"/>
+          <a:chOff x="0" y="0"/>
+          <a:chExt cx="0" cy="0"/>
+        </a:xfrm>
+      </p:grpSpPr>
+      <p:sp>
+        <p:nvSpPr>
+          <p:cNvPr id="2" name="Title 1">
+            <a:extLst>
+              <a:ext uri="{FF2B5EF4-FFF2-40B4-BE49-F238E27FC236}">
+                <a16:creationId xmlns:a16="http://schemas.microsoft.com/office/drawing/2014/main" id="{A46DFEAD-209E-2E02-D341-E0838DCD75CB}"/>
+              </a:ext>
+            </a:extLst>
+          </p:cNvPr>
+          <p:cNvSpPr>
+            <a:spLocks noGrp="1"/>
+          </p:cNvSpPr>
+          <p:nvPr>
+            <p:ph type="title"/>
+          </p:nvPr>
+        </p:nvSpPr>
+        <p:spPr/>
+        <p:txBody>
+          <a:bodyPr/>
+          <a:lstStyle/>
+          <a:p>
+            <a:r>
+              <a:rPr lang="en-US" b="0" i="0" u="none" strike="noStrike" dirty="0">
+                <a:effectLst/>
+                <a:latin typeface="+mn-lt"/>
+              </a:rPr>
+              <a:t>Data Preprocessing</a:t>
+            </a:r>
+            <a:endParaRPr lang="en-US" dirty="0">
+              <a:latin typeface="+mn-lt"/>
+            </a:endParaRPr>
+          </a:p>
+        </p:txBody>
+      </p:sp>
+      <p:sp>
+        <p:nvSpPr>
+          <p:cNvPr id="3" name="Content Placeholder 2">
+            <a:extLst>
+              <a:ext uri="{FF2B5EF4-FFF2-40B4-BE49-F238E27FC236}">
+                <a16:creationId xmlns:a16="http://schemas.microsoft.com/office/drawing/2014/main" id="{DCAFB0F2-C55D-D43D-D867-F11F7CCFBB3D}"/>
+              </a:ext>
+            </a:extLst>
+          </p:cNvPr>
+          <p:cNvSpPr>
+            <a:spLocks noGrp="1"/>
+          </p:cNvSpPr>
+          <p:nvPr>
+            <p:ph idx="1"/>
+          </p:nvPr>
+        </p:nvSpPr>
+        <p:spPr/>
+        <p:txBody>
+          <a:bodyPr/>
+          <a:lstStyle/>
+          <a:p>
+            <a:pPr algn="l">
+              <a:buFont typeface="Arial" panose="020B0604020202020204" pitchFamily="34" charset="0"/>
+              <a:buChar char="•"/>
+            </a:pPr>
+            <a:r>
+              <a:rPr lang="en-US" b="0" i="0" u="none" strike="noStrike" dirty="0">
+                <a:effectLst/>
+                <a:latin typeface="Calibri" panose="020F0502020204030204" pitchFamily="34" charset="0"/>
+                <a:cs typeface="Calibri" panose="020F0502020204030204" pitchFamily="34" charset="0"/>
+              </a:rPr>
+              <a:t>Cleaning and preparing data for model development</a:t>
+            </a:r>
+          </a:p>
+          <a:p>
+            <a:pPr algn="l">
+              <a:buFont typeface="Arial" panose="020B0604020202020204" pitchFamily="34" charset="0"/>
+              <a:buChar char="•"/>
+            </a:pPr>
+            <a:r>
+              <a:rPr lang="en-US" b="0" i="0" u="none" strike="noStrike" dirty="0">
+                <a:effectLst/>
+                <a:latin typeface="Calibri" panose="020F0502020204030204" pitchFamily="34" charset="0"/>
+                <a:cs typeface="Calibri" panose="020F0502020204030204" pitchFamily="34" charset="0"/>
+              </a:rPr>
+              <a:t>Excluding 'id' column</a:t>
+            </a:r>
+          </a:p>
+          <a:p>
+            <a:pPr algn="l">
+              <a:buFont typeface="Arial" panose="020B0604020202020204" pitchFamily="34" charset="0"/>
+              <a:buChar char="•"/>
+            </a:pPr>
+            <a:r>
+              <a:rPr lang="en-US" b="0" i="0" u="none" strike="noStrike" dirty="0">
+                <a:effectLst/>
+                <a:latin typeface="Calibri" panose="020F0502020204030204" pitchFamily="34" charset="0"/>
+                <a:cs typeface="Calibri" panose="020F0502020204030204" pitchFamily="34" charset="0"/>
+              </a:rPr>
+              <a:t>Handling missing values: Filling null values in 'BMI' column with mean</a:t>
+            </a:r>
+          </a:p>
+          <a:p>
+            <a:pPr algn="l">
+              <a:buFont typeface="Arial" panose="020B0604020202020204" pitchFamily="34" charset="0"/>
+              <a:buChar char="•"/>
+            </a:pPr>
+            <a:r>
+              <a:rPr lang="en-US" b="0" i="0" u="none" strike="noStrike" dirty="0">
+                <a:effectLst/>
+                <a:latin typeface="Calibri" panose="020F0502020204030204" pitchFamily="34" charset="0"/>
+                <a:cs typeface="Calibri" panose="020F0502020204030204" pitchFamily="34" charset="0"/>
+              </a:rPr>
+              <a:t>Label encoding for categorical variables</a:t>
+            </a:r>
+          </a:p>
+          <a:p>
+            <a:pPr algn="l">
+              <a:buFont typeface="Arial" panose="020B0604020202020204" pitchFamily="34" charset="0"/>
+              <a:buChar char="•"/>
+            </a:pPr>
+            <a:r>
+              <a:rPr lang="en-US" b="0" i="0" u="none" strike="noStrike" dirty="0">
+                <a:effectLst/>
+                <a:latin typeface="Calibri" panose="020F0502020204030204" pitchFamily="34" charset="0"/>
+                <a:cs typeface="Calibri" panose="020F0502020204030204" pitchFamily="34" charset="0"/>
+              </a:rPr>
+              <a:t>Balancing the dataset using the SMOTE technique</a:t>
+            </a:r>
+          </a:p>
+          <a:p>
+            <a:endParaRPr lang="en-US" dirty="0"/>
+          </a:p>
+        </p:txBody>
+      </p:sp>
+    </p:spTree>
+    <p:extLst>
+      <p:ext uri="{BB962C8B-B14F-4D97-AF65-F5344CB8AC3E}">
+        <p14:creationId xmlns:p14="http://schemas.microsoft.com/office/powerpoint/2010/main" val="899382078"/>
+      </p:ext>
+    </p:extLst>
+  </p:cSld>
+  <p:clrMapOvr>
+    <a:masterClrMapping/>
+  </p:clrMapOvr>
+</p:sld>
+</file>
+
+<file path=ppt/slides/slide6.xml><?xml version="1.0" encoding="utf-8"?>
+<p:sld xmlns:a="http://schemas.openxmlformats.org/drawingml/2006/main" xmlns:r="http://schemas.openxmlformats.org/officeDocument/2006/relationships" xmlns:p="http://schemas.openxmlformats.org/presentationml/2006/main">
+  <p:cSld>
+    <p:spTree>
+      <p:nvGrpSpPr>
+        <p:cNvPr id="1" name=""/>
+        <p:cNvGrpSpPr/>
+        <p:nvPr/>
+      </p:nvGrpSpPr>
+      <p:grpSpPr>
+        <a:xfrm>
+          <a:off x="0" y="0"/>
+          <a:ext cx="0" cy="0"/>
+          <a:chOff x="0" y="0"/>
+          <a:chExt cx="0" cy="0"/>
+        </a:xfrm>
+      </p:grpSpPr>
+      <p:sp>
+        <p:nvSpPr>
+          <p:cNvPr id="2" name="Title 1">
+            <a:extLst>
+              <a:ext uri="{FF2B5EF4-FFF2-40B4-BE49-F238E27FC236}">
+                <a16:creationId xmlns:a16="http://schemas.microsoft.com/office/drawing/2014/main" id="{C43696E0-3389-84DC-8252-FC2F8283670C}"/>
+              </a:ext>
+            </a:extLst>
+          </p:cNvPr>
+          <p:cNvSpPr>
+            <a:spLocks noGrp="1"/>
+          </p:cNvSpPr>
+          <p:nvPr>
+            <p:ph type="title"/>
+          </p:nvPr>
+        </p:nvSpPr>
+        <p:spPr/>
+        <p:txBody>
+          <a:bodyPr/>
+          <a:lstStyle/>
+          <a:p>
+            <a:r>
+              <a:rPr lang="en-US" b="0" i="0" u="none" strike="noStrike" dirty="0">
+                <a:effectLst/>
+                <a:latin typeface="+mn-lt"/>
+              </a:rPr>
+              <a:t>Model Development</a:t>
+            </a:r>
+            <a:endParaRPr lang="en-US" dirty="0">
+              <a:latin typeface="+mn-lt"/>
+            </a:endParaRPr>
+          </a:p>
+        </p:txBody>
+      </p:sp>
+      <p:sp>
+        <p:nvSpPr>
+          <p:cNvPr id="3" name="Content Placeholder 2">
+            <a:extLst>
+              <a:ext uri="{FF2B5EF4-FFF2-40B4-BE49-F238E27FC236}">
+                <a16:creationId xmlns:a16="http://schemas.microsoft.com/office/drawing/2014/main" id="{D859A9D8-52DA-DF81-D5C0-2B61D942D3CA}"/>
+              </a:ext>
+            </a:extLst>
+          </p:cNvPr>
+          <p:cNvSpPr>
+            <a:spLocks noGrp="1"/>
+          </p:cNvSpPr>
+          <p:nvPr>
+            <p:ph idx="1"/>
+          </p:nvPr>
+        </p:nvSpPr>
+        <p:spPr/>
+        <p:txBody>
+          <a:bodyPr/>
+          <a:lstStyle/>
+          <a:p>
+            <a:pPr algn="l">
+              <a:buFont typeface="Arial" panose="020B0604020202020204" pitchFamily="34" charset="0"/>
+              <a:buChar char="•"/>
+            </a:pPr>
+            <a:r>
+              <a:rPr lang="en-US" b="0" i="0" u="none" strike="noStrike" dirty="0">
+                <a:effectLst/>
+              </a:rPr>
+              <a:t>Splitting the data: 80% training data and 20% testing data</a:t>
+            </a:r>
+          </a:p>
+          <a:p>
+            <a:pPr algn="l">
+              <a:buFont typeface="Arial" panose="020B0604020202020204" pitchFamily="34" charset="0"/>
+              <a:buChar char="•"/>
+            </a:pPr>
+            <a:r>
+              <a:rPr lang="en-US" b="0" i="0" u="none" strike="noStrike" dirty="0">
+                <a:effectLst/>
+              </a:rPr>
+              <a:t>Classification algorithms used: Random Forest, SVM, Logistic Regression, XGBoost, Gradient Boosting Classifier, SVM, MLP Classifier, Keras Classifier</a:t>
+            </a:r>
+          </a:p>
+          <a:p>
+            <a:endParaRPr lang="en-US" dirty="0"/>
+          </a:p>
+        </p:txBody>
+      </p:sp>
+    </p:spTree>
+    <p:extLst>
+      <p:ext uri="{BB962C8B-B14F-4D97-AF65-F5344CB8AC3E}">
+        <p14:creationId xmlns:p14="http://schemas.microsoft.com/office/powerpoint/2010/main" val="2687607428"/>
+      </p:ext>
+    </p:extLst>
+  </p:cSld>
+  <p:clrMapOvr>
+    <a:masterClrMapping/>
+  </p:clrMapOvr>
+</p:sld>
+</file>
+
+<file path=ppt/slides/slide7.xml><?xml version="1.0" encoding="utf-8"?>
+<p:sld xmlns:a="http://schemas.openxmlformats.org/drawingml/2006/main" xmlns:r="http://schemas.openxmlformats.org/officeDocument/2006/relationships" xmlns:p="http://schemas.openxmlformats.org/presentationml/2006/main">
+  <p:cSld>
+    <p:spTree>
+      <p:nvGrpSpPr>
+        <p:cNvPr id="1" name=""/>
+        <p:cNvGrpSpPr/>
+        <p:nvPr/>
+      </p:nvGrpSpPr>
+      <p:grpSpPr>
+        <a:xfrm>
+          <a:off x="0" y="0"/>
+          <a:ext cx="0" cy="0"/>
+          <a:chOff x="0" y="0"/>
+          <a:chExt cx="0" cy="0"/>
+        </a:xfrm>
+      </p:grpSpPr>
+      <p:sp>
+        <p:nvSpPr>
+          <p:cNvPr id="2" name="Title 1">
+            <a:extLst>
+              <a:ext uri="{FF2B5EF4-FFF2-40B4-BE49-F238E27FC236}">
+                <a16:creationId xmlns:a16="http://schemas.microsoft.com/office/drawing/2014/main" id="{E67F5B34-61FF-38FF-B2EC-BB039EE0BE46}"/>
+              </a:ext>
+            </a:extLst>
+          </p:cNvPr>
+          <p:cNvSpPr>
+            <a:spLocks noGrp="1"/>
+          </p:cNvSpPr>
+          <p:nvPr>
+            <p:ph type="title"/>
+          </p:nvPr>
+        </p:nvSpPr>
+        <p:spPr/>
+        <p:txBody>
+          <a:bodyPr/>
+          <a:lstStyle/>
+          <a:p>
+            <a:r>
+              <a:rPr lang="en-US" b="0" i="0" u="none" strike="noStrike" dirty="0">
+                <a:effectLst/>
+                <a:latin typeface="+mn-lt"/>
+              </a:rPr>
+              <a:t>Model Evaluation</a:t>
+            </a:r>
+            <a:endParaRPr lang="en-US" dirty="0">
+              <a:latin typeface="+mn-lt"/>
+            </a:endParaRPr>
+          </a:p>
+        </p:txBody>
+      </p:sp>
+      <p:sp>
+        <p:nvSpPr>
+          <p:cNvPr id="3" name="Content Placeholder 2">
+            <a:extLst>
+              <a:ext uri="{FF2B5EF4-FFF2-40B4-BE49-F238E27FC236}">
+                <a16:creationId xmlns:a16="http://schemas.microsoft.com/office/drawing/2014/main" id="{80029E88-1316-D97C-B6F1-1D7BB4C5E212}"/>
+              </a:ext>
+            </a:extLst>
+          </p:cNvPr>
+          <p:cNvSpPr>
+            <a:spLocks noGrp="1"/>
+          </p:cNvSpPr>
+          <p:nvPr>
+            <p:ph idx="1"/>
+          </p:nvPr>
+        </p:nvSpPr>
+        <p:spPr/>
+        <p:txBody>
+          <a:bodyPr/>
+          <a:lstStyle/>
+          <a:p>
+            <a:pPr algn="l">
+              <a:buFont typeface="Arial" panose="020B0604020202020204" pitchFamily="34" charset="0"/>
+              <a:buChar char="•"/>
+            </a:pPr>
+            <a:r>
+              <a:rPr lang="en-US" b="0" i="0" u="none" strike="noStrike" dirty="0">
+                <a:effectLst/>
+                <a:latin typeface="Calibri" panose="020F0502020204030204" pitchFamily="34" charset="0"/>
+                <a:cs typeface="Calibri" panose="020F0502020204030204" pitchFamily="34" charset="0"/>
+              </a:rPr>
+              <a:t>Evaluating model performance using metrics such as accuracy, precision, recall, and F1 score</a:t>
+            </a:r>
+          </a:p>
+          <a:p>
+            <a:pPr algn="l">
+              <a:buFont typeface="Arial" panose="020B0604020202020204" pitchFamily="34" charset="0"/>
+              <a:buChar char="•"/>
+            </a:pPr>
+            <a:r>
+              <a:rPr lang="en-US" b="0" i="0" u="none" strike="noStrike" dirty="0">
+                <a:effectLst/>
+                <a:latin typeface="Calibri" panose="020F0502020204030204" pitchFamily="34" charset="0"/>
+                <a:cs typeface="Calibri" panose="020F0502020204030204" pitchFamily="34" charset="0"/>
+              </a:rPr>
+              <a:t>Comparison of models based on evaluation metrics</a:t>
+            </a:r>
+          </a:p>
+          <a:p>
+            <a:pPr algn="l">
+              <a:buFont typeface="Arial" panose="020B0604020202020204" pitchFamily="34" charset="0"/>
+              <a:buChar char="•"/>
+            </a:pPr>
+            <a:r>
+              <a:rPr lang="en-US" b="0" i="0" u="none" strike="noStrike" dirty="0">
+                <a:effectLst/>
+                <a:latin typeface="Calibri" panose="020F0502020204030204" pitchFamily="34" charset="0"/>
+                <a:cs typeface="Calibri" panose="020F0502020204030204" pitchFamily="34" charset="0"/>
+              </a:rPr>
+              <a:t>Selection of the best-performing model</a:t>
+            </a:r>
+          </a:p>
+          <a:p>
+            <a:endParaRPr lang="en-US" dirty="0"/>
+          </a:p>
+        </p:txBody>
+      </p:sp>
+    </p:spTree>
+    <p:extLst>
+      <p:ext uri="{BB962C8B-B14F-4D97-AF65-F5344CB8AC3E}">
+        <p14:creationId xmlns:p14="http://schemas.microsoft.com/office/powerpoint/2010/main" val="2097580882"/>
+      </p:ext>
+    </p:extLst>
+  </p:cSld>
+  <p:clrMapOvr>
+    <a:masterClrMapping/>
+  </p:clrMapOvr>
+</p:sld>
+</file>
+
+<file path=ppt/slides/slide8.xml><?xml version="1.0" encoding="utf-8"?>
+<p:sld xmlns:a="http://schemas.openxmlformats.org/drawingml/2006/main" xmlns:r="http://schemas.openxmlformats.org/officeDocument/2006/relationships" xmlns:p="http://schemas.openxmlformats.org/presentationml/2006/main">
+  <p:cSld>
+    <p:spTree>
+      <p:nvGrpSpPr>
+        <p:cNvPr id="1" name=""/>
+        <p:cNvGrpSpPr/>
+        <p:nvPr/>
+      </p:nvGrpSpPr>
+      <p:grpSpPr>
+        <a:xfrm>
+          <a:off x="0" y="0"/>
+          <a:ext cx="0" cy="0"/>
+          <a:chOff x="0" y="0"/>
+          <a:chExt cx="0" cy="0"/>
+        </a:xfrm>
+      </p:grpSpPr>
+      <p:sp>
+        <p:nvSpPr>
+          <p:cNvPr id="2" name="Title 1">
+            <a:extLst>
+              <a:ext uri="{FF2B5EF4-FFF2-40B4-BE49-F238E27FC236}">
+                <a16:creationId xmlns:a16="http://schemas.microsoft.com/office/drawing/2014/main" id="{460FAF14-955B-21D2-E493-F9EF006998F4}"/>
+              </a:ext>
+            </a:extLst>
+          </p:cNvPr>
+          <p:cNvSpPr>
+            <a:spLocks noGrp="1"/>
+          </p:cNvSpPr>
+          <p:nvPr>
+            <p:ph type="title"/>
+          </p:nvPr>
+        </p:nvSpPr>
+        <p:spPr/>
+        <p:txBody>
+          <a:bodyPr/>
+          <a:lstStyle/>
+          <a:p>
+            <a:r>
+              <a:rPr lang="en-US" b="0" i="0" u="none" strike="noStrike" dirty="0">
+                <a:effectLst/>
+                <a:latin typeface="+mn-lt"/>
+              </a:rPr>
+              <a:t>Feature Importance</a:t>
+            </a:r>
+            <a:endParaRPr lang="en-US" dirty="0">
+              <a:latin typeface="+mn-lt"/>
+            </a:endParaRPr>
+          </a:p>
+        </p:txBody>
+      </p:sp>
+      <p:sp>
+        <p:nvSpPr>
+          <p:cNvPr id="3" name="Content Placeholder 2">
+            <a:extLst>
+              <a:ext uri="{FF2B5EF4-FFF2-40B4-BE49-F238E27FC236}">
+                <a16:creationId xmlns:a16="http://schemas.microsoft.com/office/drawing/2014/main" id="{DEF15F82-1C24-7380-2845-7973FA38E5BD}"/>
+              </a:ext>
+            </a:extLst>
+          </p:cNvPr>
+          <p:cNvSpPr>
+            <a:spLocks noGrp="1"/>
+          </p:cNvSpPr>
+          <p:nvPr>
+            <p:ph idx="1"/>
+          </p:nvPr>
+        </p:nvSpPr>
+        <p:spPr/>
+        <p:txBody>
+          <a:bodyPr/>
+          <a:lstStyle/>
+          <a:p>
+            <a:pPr algn="l">
+              <a:buFont typeface="Arial" panose="020B0604020202020204" pitchFamily="34" charset="0"/>
+              <a:buChar char="•"/>
+            </a:pPr>
+            <a:r>
+              <a:rPr lang="en-US" b="0" i="0" u="none" strike="noStrike" dirty="0">
+                <a:effectLst/>
+              </a:rPr>
+              <a:t>Analyzing the importance of individual features in the prediction of stroke risk</a:t>
+            </a:r>
+          </a:p>
+          <a:p>
+            <a:pPr algn="l">
+              <a:buFont typeface="Arial" panose="020B0604020202020204" pitchFamily="34" charset="0"/>
+              <a:buChar char="•"/>
+            </a:pPr>
+            <a:r>
+              <a:rPr lang="en-US" b="0" i="0" u="none" strike="noStrike" dirty="0">
+                <a:effectLst/>
+              </a:rPr>
+              <a:t>Identifying the most significant risk factors</a:t>
+            </a:r>
+          </a:p>
+        </p:txBody>
+      </p:sp>
+    </p:spTree>
+    <p:extLst>
+      <p:ext uri="{BB962C8B-B14F-4D97-AF65-F5344CB8AC3E}">
+        <p14:creationId xmlns:p14="http://schemas.microsoft.com/office/powerpoint/2010/main" val="2704956655"/>
+      </p:ext>
+    </p:extLst>
+  </p:cSld>
+  <p:clrMapOvr>
+    <a:masterClrMapping/>
+  </p:clrMapOvr>
+</p:sld>
+</file>
+
+<file path=ppt/slides/slide9.xml><?xml version="1.0" encoding="utf-8"?>
+<p:sld xmlns:a="http://schemas.openxmlformats.org/drawingml/2006/main" xmlns:r="http://schemas.openxmlformats.org/officeDocument/2006/relationships" xmlns:p="http://schemas.openxmlformats.org/presentationml/2006/main">
+  <p:cSld>
+    <p:spTree>
+      <p:nvGrpSpPr>
+        <p:cNvPr id="1" name=""/>
+        <p:cNvGrpSpPr/>
+        <p:nvPr/>
+      </p:nvGrpSpPr>
+      <p:grpSpPr>
+        <a:xfrm>
+          <a:off x="0" y="0"/>
+          <a:ext cx="0" cy="0"/>
+          <a:chOff x="0" y="0"/>
+          <a:chExt cx="0" cy="0"/>
+        </a:xfrm>
+      </p:grpSpPr>
+      <p:sp>
+        <p:nvSpPr>
+          <p:cNvPr id="2" name="Title 1">
+            <a:extLst>
+              <a:ext uri="{FF2B5EF4-FFF2-40B4-BE49-F238E27FC236}">
+                <a16:creationId xmlns:a16="http://schemas.microsoft.com/office/drawing/2014/main" id="{BDD10962-E4B7-EFC9-D7EB-C44533AE94A1}"/>
+              </a:ext>
+            </a:extLst>
+          </p:cNvPr>
+          <p:cNvSpPr>
+            <a:spLocks noGrp="1"/>
+          </p:cNvSpPr>
+          <p:nvPr>
+            <p:ph type="title"/>
+          </p:nvPr>
+        </p:nvSpPr>
+        <p:spPr/>
+        <p:txBody>
+          <a:bodyPr/>
+          <a:lstStyle/>
+          <a:p>
+            <a:r>
+              <a:rPr lang="en" dirty="0"/>
+              <a:t>Conclusion</a:t>
+            </a:r>
+            <a:endParaRPr lang="en-US" dirty="0"/>
+          </a:p>
+        </p:txBody>
+      </p:sp>
+      <p:sp>
+        <p:nvSpPr>
+          <p:cNvPr id="3" name="Content Placeholder 2">
+            <a:extLst>
+              <a:ext uri="{FF2B5EF4-FFF2-40B4-BE49-F238E27FC236}">
+                <a16:creationId xmlns:a16="http://schemas.microsoft.com/office/drawing/2014/main" id="{10617444-F925-3B22-C704-7F9A9958D847}"/>
+              </a:ext>
+            </a:extLst>
+          </p:cNvPr>
+          <p:cNvSpPr>
+            <a:spLocks noGrp="1"/>
+          </p:cNvSpPr>
+          <p:nvPr>
+            <p:ph idx="1"/>
+          </p:nvPr>
+        </p:nvSpPr>
+        <p:spPr/>
+        <p:txBody>
+          <a:bodyPr/>
+          <a:lstStyle/>
+          <a:p>
+            <a:endParaRPr lang="en-US"/>
+          </a:p>
+        </p:txBody>
+      </p:sp>
+    </p:spTree>
+    <p:extLst>
+      <p:ext uri="{BB962C8B-B14F-4D97-AF65-F5344CB8AC3E}">
+        <p14:creationId xmlns:p14="http://schemas.microsoft.com/office/powerpoint/2010/main" val="3508582542"/>
       </p:ext>
     </p:extLst>
   </p:cSld>
